--- a/Analisis-de-Necesidades-de-Informacion-en-Pacientes-Pendientes-de-Artroplastia-Total-de-Rodilla-ATR.pptx
+++ b/Analisis-de-Necesidades-de-Informacion-en-Pacientes-Pendientes-de-Artroplastia-Total-de-Rodilla-ATR.pptx
@@ -13040,7 +13040,7 @@
         </p:nvSpPr>
         <p:spPr>
           <a:xfrm>
-            <a:off x="675842" y="5893300"/>
+            <a:off x="718595" y="5893300"/>
             <a:ext cx="13425826" cy="1994348"/>
           </a:xfrm>
           <a:prstGeom prst="roundRect">
@@ -13074,7 +13074,7 @@
         </p:nvSpPr>
         <p:spPr>
           <a:xfrm>
-            <a:off x="3890524" y="7150136"/>
+            <a:off x="3976030" y="7150136"/>
             <a:ext cx="6910956" cy="522033"/>
           </a:xfrm>
           <a:prstGeom prst="rect">
@@ -13333,7 +13333,7 @@
         </p:nvSpPr>
         <p:spPr>
           <a:xfrm>
-            <a:off x="692837" y="2820528"/>
+            <a:off x="692837" y="2562923"/>
             <a:ext cx="13425826" cy="902515"/>
           </a:xfrm>
           <a:prstGeom prst="roundRect">
@@ -13373,7 +13373,7 @@
         </p:nvSpPr>
         <p:spPr>
           <a:xfrm>
-            <a:off x="920772" y="3070969"/>
+            <a:off x="920772" y="2813364"/>
             <a:ext cx="12863032" cy="472217"/>
           </a:xfrm>
           <a:prstGeom prst="rect">
@@ -13433,7 +13433,7 @@
         </p:nvSpPr>
         <p:spPr>
           <a:xfrm>
-            <a:off x="633089" y="4313703"/>
+            <a:off x="675842" y="3669271"/>
             <a:ext cx="13425826" cy="902516"/>
           </a:xfrm>
           <a:prstGeom prst="roundRect">
@@ -13473,7 +13473,7 @@
         </p:nvSpPr>
         <p:spPr>
           <a:xfrm>
-            <a:off x="675842" y="4474516"/>
+            <a:off x="718595" y="3972291"/>
             <a:ext cx="13352893" cy="834046"/>
           </a:xfrm>
           <a:prstGeom prst="rect">
@@ -13580,6 +13580,123 @@
               <a:rPr lang="en-US" sz="2800" dirty="0"/>
               <a:t>…</a:t>
             </a:r>
+          </a:p>
+        </p:txBody>
+      </p:sp>
+      <p:sp>
+        <p:nvSpPr>
+          <p:cNvPr id="2" name="Shape 7">
+            <a:extLst>
+              <a:ext uri="{FF2B5EF4-FFF2-40B4-BE49-F238E27FC236}">
+                <a16:creationId xmlns:a16="http://schemas.microsoft.com/office/drawing/2014/main" id="{F97EAA74-0721-E8FF-970E-FDFFF099C467}"/>
+              </a:ext>
+            </a:extLst>
+          </p:cNvPr>
+          <p:cNvSpPr/>
+          <p:nvPr/>
+        </p:nvSpPr>
+        <p:spPr>
+          <a:xfrm>
+            <a:off x="675842" y="4756915"/>
+            <a:ext cx="13425826" cy="902516"/>
+          </a:xfrm>
+          <a:prstGeom prst="roundRect">
+            <a:avLst>
+              <a:gd name="adj" fmla="val 4741"/>
+            </a:avLst>
+          </a:prstGeom>
+          <a:solidFill>
+            <a:srgbClr val="542C49"/>
+          </a:solidFill>
+          <a:ln w="7620">
+            <a:solidFill>
+              <a:srgbClr val="6D4562"/>
+            </a:solidFill>
+            <a:prstDash val="solid"/>
+          </a:ln>
+        </p:spPr>
+        <p:txBody>
+          <a:bodyPr/>
+          <a:lstStyle/>
+          <a:p>
+            <a:endParaRPr lang="es-419"/>
+          </a:p>
+        </p:txBody>
+      </p:sp>
+      <p:sp>
+        <p:nvSpPr>
+          <p:cNvPr id="4" name="TextBox 3">
+            <a:extLst>
+              <a:ext uri="{FF2B5EF4-FFF2-40B4-BE49-F238E27FC236}">
+                <a16:creationId xmlns:a16="http://schemas.microsoft.com/office/drawing/2014/main" id="{97999268-6614-B53F-A1FC-5AAE6FBBFD0E}"/>
+              </a:ext>
+            </a:extLst>
+          </p:cNvPr>
+          <p:cNvSpPr txBox="1"/>
+          <p:nvPr/>
+        </p:nvSpPr>
+        <p:spPr>
+          <a:xfrm>
+            <a:off x="718595" y="5059935"/>
+            <a:ext cx="13352893" cy="834046"/>
+          </a:xfrm>
+          <a:prstGeom prst="rect">
+            <a:avLst/>
+          </a:prstGeom>
+          <a:noFill/>
+          <a:ln/>
+        </p:spPr>
+        <p:txBody>
+          <a:bodyPr wrap="square" lIns="0" tIns="0" rIns="0" bIns="0" rtlCol="0" anchor="t"/>
+          <a:lstStyle>
+            <a:defPPr>
+              <a:defRPr lang="en-US"/>
+            </a:defPPr>
+            <a:lvl1pPr indent="0">
+              <a:lnSpc>
+                <a:spcPts val="2650"/>
+              </a:lnSpc>
+              <a:buNone/>
+              <a:defRPr sz="2400" b="1">
+                <a:solidFill>
+                  <a:srgbClr val="DAD8E9"/>
+                </a:solidFill>
+                <a:latin typeface="Mukta Light" pitchFamily="34" charset="0"/>
+                <a:cs typeface="Mukta Light" pitchFamily="34" charset="-120"/>
+              </a:defRPr>
+            </a:lvl1pPr>
+          </a:lstStyle>
+          <a:p>
+            <a:pPr algn="ctr"/>
+            <a:r>
+              <a:rPr lang="en-US" sz="2800" dirty="0" err="1"/>
+              <a:t>Perfilar</a:t>
+            </a:r>
+            <a:r>
+              <a:rPr lang="en-US" sz="2800" dirty="0"/>
+              <a:t> </a:t>
+            </a:r>
+            <a:r>
+              <a:rPr lang="en-US" sz="2800" dirty="0" err="1"/>
+              <a:t>pacientes</a:t>
+            </a:r>
+            <a:r>
+              <a:rPr lang="en-US" sz="2800" dirty="0"/>
+              <a:t> y </a:t>
+            </a:r>
+            <a:r>
+              <a:rPr lang="en-US" sz="2800" dirty="0" err="1"/>
+              <a:t>posibles</a:t>
+            </a:r>
+            <a:r>
+              <a:rPr lang="en-US" sz="2800" dirty="0"/>
+              <a:t> </a:t>
+            </a:r>
+            <a:r>
+              <a:rPr lang="en-US" sz="2800" dirty="0" err="1"/>
+              <a:t>dudas</a:t>
+            </a:r>
+            <a:endParaRPr lang="en-US" sz="2800" dirty="0"/>
           </a:p>
         </p:txBody>
       </p:sp>
@@ -13911,6 +14028,78 @@
                       </p:childTnLst>
                     </p:cTn>
                   </p:par>
+                  <p:par>
+                    <p:cTn id="29" fill="hold">
+                      <p:stCondLst>
+                        <p:cond delay="indefinite"/>
+                      </p:stCondLst>
+                      <p:childTnLst>
+                        <p:par>
+                          <p:cTn id="30" fill="hold">
+                            <p:stCondLst>
+                              <p:cond delay="0"/>
+                            </p:stCondLst>
+                            <p:childTnLst>
+                              <p:par>
+                                <p:cTn id="31" presetID="1" presetClass="entr" presetSubtype="0" fill="hold" grpId="0" nodeType="clickEffect">
+                                  <p:stCondLst>
+                                    <p:cond delay="0"/>
+                                  </p:stCondLst>
+                                  <p:childTnLst>
+                                    <p:set>
+                                      <p:cBhvr>
+                                        <p:cTn id="32" dur="1" fill="hold">
+                                          <p:stCondLst>
+                                            <p:cond delay="0"/>
+                                          </p:stCondLst>
+                                        </p:cTn>
+                                        <p:tgtEl>
+                                          <p:spTgt spid="4"/>
+                                        </p:tgtEl>
+                                        <p:attrNameLst>
+                                          <p:attrName>style.visibility</p:attrName>
+                                        </p:attrNameLst>
+                                      </p:cBhvr>
+                                      <p:to>
+                                        <p:strVal val="visible"/>
+                                      </p:to>
+                                    </p:set>
+                                  </p:childTnLst>
+                                </p:cTn>
+                              </p:par>
+                              <p:par>
+                                <p:cTn id="33" presetID="1" presetClass="entr" presetSubtype="0" fill="hold" grpId="0" nodeType="withEffect">
+                                  <p:stCondLst>
+                                    <p:cond delay="0"/>
+                                  </p:stCondLst>
+                                  <p:childTnLst>
+                                    <p:set>
+                                      <p:cBhvr>
+                                        <p:cTn id="34" dur="1" fill="hold">
+                                          <p:stCondLst>
+                                            <p:cond delay="0"/>
+                                          </p:stCondLst>
+                                        </p:cTn>
+                                        <p:tgtEl>
+                                          <p:spTgt spid="2"/>
+                                        </p:tgtEl>
+                                        <p:attrNameLst>
+                                          <p:attrName>style.visibility</p:attrName>
+                                        </p:attrNameLst>
+                                      </p:cBhvr>
+                                      <p:to>
+                                        <p:strVal val="visible"/>
+                                      </p:to>
+                                    </p:set>
+                                  </p:childTnLst>
+                                </p:cTn>
+                              </p:par>
+                            </p:childTnLst>
+                          </p:cTn>
+                        </p:par>
+                      </p:childTnLst>
+                    </p:cTn>
+                  </p:par>
                 </p:childTnLst>
               </p:cTn>
               <p:prevCondLst>
@@ -13942,6 +14131,8 @@
       <p:bldP spid="17" grpId="0" animBg="1"/>
       <p:bldP spid="20" grpId="0" animBg="1"/>
       <p:bldP spid="18" grpId="0" animBg="1"/>
+      <p:bldP spid="2" grpId="0" animBg="1"/>
+      <p:bldP spid="4" grpId="0" animBg="1"/>
     </p:bldLst>
   </p:timing>
 </p:sld>
@@ -15261,6 +15452,398 @@
   <p:clrMapOvr>
     <a:masterClrMapping/>
   </p:clrMapOvr>
+  <p:timing>
+    <p:tnLst>
+      <p:par>
+        <p:cTn id="1" dur="indefinite" restart="never" nodeType="tmRoot">
+          <p:childTnLst>
+            <p:seq concurrent="1" nextAc="seek">
+              <p:cTn id="2" dur="indefinite" nodeType="mainSeq">
+                <p:childTnLst>
+                  <p:par>
+                    <p:cTn id="3" fill="hold">
+                      <p:stCondLst>
+                        <p:cond delay="indefinite"/>
+                      </p:stCondLst>
+                      <p:childTnLst>
+                        <p:par>
+                          <p:cTn id="4" fill="hold">
+                            <p:stCondLst>
+                              <p:cond delay="0"/>
+                            </p:stCondLst>
+                            <p:childTnLst>
+                              <p:par>
+                                <p:cTn id="5" presetID="1" presetClass="entr" presetSubtype="0" fill="hold" grpId="0" nodeType="clickEffect">
+                                  <p:stCondLst>
+                                    <p:cond delay="0"/>
+                                  </p:stCondLst>
+                                  <p:childTnLst>
+                                    <p:set>
+                                      <p:cBhvr>
+                                        <p:cTn id="6" dur="1" fill="hold">
+                                          <p:stCondLst>
+                                            <p:cond delay="0"/>
+                                          </p:stCondLst>
+                                        </p:cTn>
+                                        <p:tgtEl>
+                                          <p:spTgt spid="10"/>
+                                        </p:tgtEl>
+                                        <p:attrNameLst>
+                                          <p:attrName>style.visibility</p:attrName>
+                                        </p:attrNameLst>
+                                      </p:cBhvr>
+                                      <p:to>
+                                        <p:strVal val="visible"/>
+                                      </p:to>
+                                    </p:set>
+                                  </p:childTnLst>
+                                </p:cTn>
+                              </p:par>
+                            </p:childTnLst>
+                          </p:cTn>
+                        </p:par>
+                      </p:childTnLst>
+                    </p:cTn>
+                  </p:par>
+                  <p:par>
+                    <p:cTn id="7" fill="hold">
+                      <p:stCondLst>
+                        <p:cond delay="indefinite"/>
+                      </p:stCondLst>
+                      <p:childTnLst>
+                        <p:par>
+                          <p:cTn id="8" fill="hold">
+                            <p:stCondLst>
+                              <p:cond delay="0"/>
+                            </p:stCondLst>
+                            <p:childTnLst>
+                              <p:par>
+                                <p:cTn id="9" presetID="1" presetClass="entr" presetSubtype="0" fill="hold" grpId="0" nodeType="clickEffect">
+                                  <p:stCondLst>
+                                    <p:cond delay="0"/>
+                                  </p:stCondLst>
+                                  <p:childTnLst>
+                                    <p:set>
+                                      <p:cBhvr>
+                                        <p:cTn id="10" dur="1" fill="hold">
+                                          <p:stCondLst>
+                                            <p:cond delay="0"/>
+                                          </p:stCondLst>
+                                        </p:cTn>
+                                        <p:tgtEl>
+                                          <p:spTgt spid="20"/>
+                                        </p:tgtEl>
+                                        <p:attrNameLst>
+                                          <p:attrName>style.visibility</p:attrName>
+                                        </p:attrNameLst>
+                                      </p:cBhvr>
+                                      <p:to>
+                                        <p:strVal val="visible"/>
+                                      </p:to>
+                                    </p:set>
+                                  </p:childTnLst>
+                                </p:cTn>
+                              </p:par>
+                              <p:par>
+                                <p:cTn id="11" presetID="1" presetClass="entr" presetSubtype="0" fill="hold" grpId="0" nodeType="withEffect">
+                                  <p:stCondLst>
+                                    <p:cond delay="0"/>
+                                  </p:stCondLst>
+                                  <p:childTnLst>
+                                    <p:set>
+                                      <p:cBhvr>
+                                        <p:cTn id="12" dur="1" fill="hold">
+                                          <p:stCondLst>
+                                            <p:cond delay="0"/>
+                                          </p:stCondLst>
+                                        </p:cTn>
+                                        <p:tgtEl>
+                                          <p:spTgt spid="19"/>
+                                        </p:tgtEl>
+                                        <p:attrNameLst>
+                                          <p:attrName>style.visibility</p:attrName>
+                                        </p:attrNameLst>
+                                      </p:cBhvr>
+                                      <p:to>
+                                        <p:strVal val="visible"/>
+                                      </p:to>
+                                    </p:set>
+                                  </p:childTnLst>
+                                </p:cTn>
+                              </p:par>
+                            </p:childTnLst>
+                          </p:cTn>
+                        </p:par>
+                      </p:childTnLst>
+                    </p:cTn>
+                  </p:par>
+                  <p:par>
+                    <p:cTn id="13" fill="hold">
+                      <p:stCondLst>
+                        <p:cond delay="indefinite"/>
+                      </p:stCondLst>
+                      <p:childTnLst>
+                        <p:par>
+                          <p:cTn id="14" fill="hold">
+                            <p:stCondLst>
+                              <p:cond delay="0"/>
+                            </p:stCondLst>
+                            <p:childTnLst>
+                              <p:par>
+                                <p:cTn id="15" presetID="1" presetClass="entr" presetSubtype="0" fill="hold" grpId="0" nodeType="clickEffect">
+                                  <p:stCondLst>
+                                    <p:cond delay="0"/>
+                                  </p:stCondLst>
+                                  <p:childTnLst>
+                                    <p:set>
+                                      <p:cBhvr>
+                                        <p:cTn id="16" dur="1" fill="hold">
+                                          <p:stCondLst>
+                                            <p:cond delay="0"/>
+                                          </p:stCondLst>
+                                        </p:cTn>
+                                        <p:tgtEl>
+                                          <p:spTgt spid="12"/>
+                                        </p:tgtEl>
+                                        <p:attrNameLst>
+                                          <p:attrName>style.visibility</p:attrName>
+                                        </p:attrNameLst>
+                                      </p:cBhvr>
+                                      <p:to>
+                                        <p:strVal val="visible"/>
+                                      </p:to>
+                                    </p:set>
+                                  </p:childTnLst>
+                                </p:cTn>
+                              </p:par>
+                            </p:childTnLst>
+                          </p:cTn>
+                        </p:par>
+                      </p:childTnLst>
+                    </p:cTn>
+                  </p:par>
+                  <p:par>
+                    <p:cTn id="17" fill="hold">
+                      <p:stCondLst>
+                        <p:cond delay="indefinite"/>
+                      </p:stCondLst>
+                      <p:childTnLst>
+                        <p:par>
+                          <p:cTn id="18" fill="hold">
+                            <p:stCondLst>
+                              <p:cond delay="0"/>
+                            </p:stCondLst>
+                            <p:childTnLst>
+                              <p:par>
+                                <p:cTn id="19" presetID="1" presetClass="entr" presetSubtype="0" fill="hold" grpId="0" nodeType="clickEffect">
+                                  <p:stCondLst>
+                                    <p:cond delay="0"/>
+                                  </p:stCondLst>
+                                  <p:childTnLst>
+                                    <p:set>
+                                      <p:cBhvr>
+                                        <p:cTn id="20" dur="1" fill="hold">
+                                          <p:stCondLst>
+                                            <p:cond delay="0"/>
+                                          </p:stCondLst>
+                                        </p:cTn>
+                                        <p:tgtEl>
+                                          <p:spTgt spid="16"/>
+                                        </p:tgtEl>
+                                        <p:attrNameLst>
+                                          <p:attrName>style.visibility</p:attrName>
+                                        </p:attrNameLst>
+                                      </p:cBhvr>
+                                      <p:to>
+                                        <p:strVal val="visible"/>
+                                      </p:to>
+                                    </p:set>
+                                  </p:childTnLst>
+                                </p:cTn>
+                              </p:par>
+                              <p:par>
+                                <p:cTn id="21" presetID="1" presetClass="entr" presetSubtype="0" fill="hold" grpId="0" nodeType="withEffect">
+                                  <p:stCondLst>
+                                    <p:cond delay="0"/>
+                                  </p:stCondLst>
+                                  <p:childTnLst>
+                                    <p:set>
+                                      <p:cBhvr>
+                                        <p:cTn id="22" dur="1" fill="hold">
+                                          <p:stCondLst>
+                                            <p:cond delay="0"/>
+                                          </p:stCondLst>
+                                        </p:cTn>
+                                        <p:tgtEl>
+                                          <p:spTgt spid="3"/>
+                                        </p:tgtEl>
+                                        <p:attrNameLst>
+                                          <p:attrName>style.visibility</p:attrName>
+                                        </p:attrNameLst>
+                                      </p:cBhvr>
+                                      <p:to>
+                                        <p:strVal val="visible"/>
+                                      </p:to>
+                                    </p:set>
+                                  </p:childTnLst>
+                                </p:cTn>
+                              </p:par>
+                            </p:childTnLst>
+                          </p:cTn>
+                        </p:par>
+                      </p:childTnLst>
+                    </p:cTn>
+                  </p:par>
+                  <p:par>
+                    <p:cTn id="23" fill="hold">
+                      <p:stCondLst>
+                        <p:cond delay="indefinite"/>
+                      </p:stCondLst>
+                      <p:childTnLst>
+                        <p:par>
+                          <p:cTn id="24" fill="hold">
+                            <p:stCondLst>
+                              <p:cond delay="0"/>
+                            </p:stCondLst>
+                            <p:childTnLst>
+                              <p:par>
+                                <p:cTn id="25" presetID="1" presetClass="entr" presetSubtype="0" fill="hold" grpId="0" nodeType="clickEffect">
+                                  <p:stCondLst>
+                                    <p:cond delay="0"/>
+                                  </p:stCondLst>
+                                  <p:childTnLst>
+                                    <p:set>
+                                      <p:cBhvr>
+                                        <p:cTn id="26" dur="1" fill="hold">
+                                          <p:stCondLst>
+                                            <p:cond delay="0"/>
+                                          </p:stCondLst>
+                                        </p:cTn>
+                                        <p:tgtEl>
+                                          <p:spTgt spid="14"/>
+                                        </p:tgtEl>
+                                        <p:attrNameLst>
+                                          <p:attrName>style.visibility</p:attrName>
+                                        </p:attrNameLst>
+                                      </p:cBhvr>
+                                      <p:to>
+                                        <p:strVal val="visible"/>
+                                      </p:to>
+                                    </p:set>
+                                  </p:childTnLst>
+                                </p:cTn>
+                              </p:par>
+                            </p:childTnLst>
+                          </p:cTn>
+                        </p:par>
+                      </p:childTnLst>
+                    </p:cTn>
+                  </p:par>
+                  <p:par>
+                    <p:cTn id="27" fill="hold">
+                      <p:stCondLst>
+                        <p:cond delay="indefinite"/>
+                      </p:stCondLst>
+                      <p:childTnLst>
+                        <p:par>
+                          <p:cTn id="28" fill="hold">
+                            <p:stCondLst>
+                              <p:cond delay="0"/>
+                            </p:stCondLst>
+                            <p:childTnLst>
+                              <p:par>
+                                <p:cTn id="29" presetID="1" presetClass="entr" presetSubtype="0" fill="hold" grpId="0" nodeType="clickEffect">
+                                  <p:stCondLst>
+                                    <p:cond delay="0"/>
+                                  </p:stCondLst>
+                                  <p:childTnLst>
+                                    <p:set>
+                                      <p:cBhvr>
+                                        <p:cTn id="30" dur="1" fill="hold">
+                                          <p:stCondLst>
+                                            <p:cond delay="0"/>
+                                          </p:stCondLst>
+                                        </p:cTn>
+                                        <p:tgtEl>
+                                          <p:spTgt spid="15"/>
+                                        </p:tgtEl>
+                                        <p:attrNameLst>
+                                          <p:attrName>style.visibility</p:attrName>
+                                        </p:attrNameLst>
+                                      </p:cBhvr>
+                                      <p:to>
+                                        <p:strVal val="visible"/>
+                                      </p:to>
+                                    </p:set>
+                                  </p:childTnLst>
+                                </p:cTn>
+                              </p:par>
+                              <p:par>
+                                <p:cTn id="31" presetID="1" presetClass="entr" presetSubtype="0" fill="hold" grpId="0" nodeType="withEffect">
+                                  <p:stCondLst>
+                                    <p:cond delay="0"/>
+                                  </p:stCondLst>
+                                  <p:childTnLst>
+                                    <p:set>
+                                      <p:cBhvr>
+                                        <p:cTn id="32" dur="1" fill="hold">
+                                          <p:stCondLst>
+                                            <p:cond delay="0"/>
+                                          </p:stCondLst>
+                                        </p:cTn>
+                                        <p:tgtEl>
+                                          <p:spTgt spid="5"/>
+                                        </p:tgtEl>
+                                        <p:attrNameLst>
+                                          <p:attrName>style.visibility</p:attrName>
+                                        </p:attrNameLst>
+                                      </p:cBhvr>
+                                      <p:to>
+                                        <p:strVal val="visible"/>
+                                      </p:to>
+                                    </p:set>
+                                  </p:childTnLst>
+                                </p:cTn>
+                              </p:par>
+                            </p:childTnLst>
+                          </p:cTn>
+                        </p:par>
+                      </p:childTnLst>
+                    </p:cTn>
+                  </p:par>
+                </p:childTnLst>
+              </p:cTn>
+              <p:prevCondLst>
+                <p:cond evt="onPrev" delay="0">
+                  <p:tgtEl>
+                    <p:sldTgt/>
+                  </p:tgtEl>
+                </p:cond>
+              </p:prevCondLst>
+              <p:nextCondLst>
+                <p:cond evt="onNext" delay="0">
+                  <p:tgtEl>
+                    <p:sldTgt/>
+                  </p:tgtEl>
+                </p:cond>
+              </p:nextCondLst>
+            </p:seq>
+          </p:childTnLst>
+        </p:cTn>
+      </p:par>
+    </p:tnLst>
+    <p:bldLst>
+      <p:bldP spid="3" grpId="0" animBg="1"/>
+      <p:bldP spid="5" grpId="0" animBg="1"/>
+      <p:bldP spid="10" grpId="0" animBg="1"/>
+      <p:bldP spid="12" grpId="0" animBg="1"/>
+      <p:bldP spid="14" grpId="0" animBg="1"/>
+      <p:bldP spid="15" grpId="0" animBg="1"/>
+      <p:bldP spid="16" grpId="0" animBg="1"/>
+      <p:bldP spid="19" grpId="0" animBg="1"/>
+      <p:bldP spid="20" grpId="0" animBg="1"/>
+    </p:bldLst>
+  </p:timing>
 </p:sld>
 </file>
 
@@ -20582,16 +21165,36 @@
             <a:r>
               <a:rPr lang="es-ES" sz="2800" dirty="0">
                 <a:solidFill>
+                  <a:schemeClr val="bg1">
+                    <a:lumMod val="75000"/>
+                  </a:schemeClr>
+                </a:solidFill>
+              </a:rPr>
+              <a:t>✅</a:t>
+            </a:r>
+            <a:r>
+              <a:rPr lang="es-ES" sz="2800" dirty="0">
+                <a:solidFill>
                   <a:schemeClr val="accent1">
                     <a:lumMod val="20000"/>
                     <a:lumOff val="80000"/>
                   </a:schemeClr>
                 </a:solidFill>
               </a:rPr>
-              <a:t>1️⃣ Información general </a:t>
+              <a:t> Información general </a:t>
             </a:r>
           </a:p>
           <a:p>
+            <a:r>
+              <a:rPr lang="es-ES" sz="2800" dirty="0">
+                <a:solidFill>
+                  <a:schemeClr val="bg1">
+                    <a:lumMod val="75000"/>
+                  </a:schemeClr>
+                </a:solidFill>
+              </a:rPr>
+              <a:t>✅</a:t>
+            </a:r>
             <a:r>
               <a:rPr lang="es-ES" sz="2800" dirty="0">
                 <a:solidFill>
@@ -20601,10 +21204,20 @@
                   </a:schemeClr>
                 </a:solidFill>
               </a:rPr>
-              <a:t>2️⃣ Preparación para la cirugía</a:t>
+              <a:t> Preparación para la cirugía</a:t>
             </a:r>
           </a:p>
           <a:p>
+            <a:r>
+              <a:rPr lang="es-ES" sz="2800" dirty="0">
+                <a:solidFill>
+                  <a:schemeClr val="bg1">
+                    <a:lumMod val="75000"/>
+                  </a:schemeClr>
+                </a:solidFill>
+              </a:rPr>
+              <a:t>✅</a:t>
+            </a:r>
             <a:r>
               <a:rPr lang="es-ES" sz="2800" dirty="0">
                 <a:solidFill>
@@ -20614,10 +21227,20 @@
                   </a:schemeClr>
                 </a:solidFill>
               </a:rPr>
-              <a:t>3️⃣ Cirugía y anestesia</a:t>
+              <a:t> Cirugía y anestesia</a:t>
             </a:r>
           </a:p>
           <a:p>
+            <a:r>
+              <a:rPr lang="es-ES" sz="2800" dirty="0">
+                <a:solidFill>
+                  <a:schemeClr val="bg1">
+                    <a:lumMod val="75000"/>
+                  </a:schemeClr>
+                </a:solidFill>
+              </a:rPr>
+              <a:t>✅</a:t>
+            </a:r>
             <a:r>
               <a:rPr lang="es-ES" sz="2800" dirty="0">
                 <a:solidFill>
@@ -20627,10 +21250,20 @@
                   </a:schemeClr>
                 </a:solidFill>
               </a:rPr>
-              <a:t>4️⃣ Proceso de recuperación.</a:t>
+              <a:t> Proceso de recuperación.</a:t>
             </a:r>
           </a:p>
           <a:p>
+            <a:r>
+              <a:rPr lang="es-ES" sz="2800" dirty="0">
+                <a:solidFill>
+                  <a:schemeClr val="bg1">
+                    <a:lumMod val="75000"/>
+                  </a:schemeClr>
+                </a:solidFill>
+              </a:rPr>
+              <a:t>✅</a:t>
+            </a:r>
             <a:r>
               <a:rPr lang="es-ES" sz="2800" dirty="0">
                 <a:solidFill>
@@ -20640,10 +21273,20 @@
                   </a:schemeClr>
                 </a:solidFill>
               </a:rPr>
-              <a:t>5️⃣ Manejo del dolor</a:t>
+              <a:t> Manejo del dolor</a:t>
             </a:r>
           </a:p>
           <a:p>
+            <a:r>
+              <a:rPr lang="es-ES" sz="2800" dirty="0">
+                <a:solidFill>
+                  <a:schemeClr val="bg1">
+                    <a:lumMod val="75000"/>
+                  </a:schemeClr>
+                </a:solidFill>
+              </a:rPr>
+              <a:t>✅</a:t>
+            </a:r>
             <a:r>
               <a:rPr lang="es-ES" sz="2800" dirty="0">
                 <a:solidFill>
@@ -20653,10 +21296,20 @@
                   </a:schemeClr>
                 </a:solidFill>
               </a:rPr>
-              <a:t>6️⃣ Complicaciones y riesgos</a:t>
+              <a:t> Complicaciones y riesgos</a:t>
             </a:r>
           </a:p>
           <a:p>
+            <a:r>
+              <a:rPr lang="es-ES" sz="2800" dirty="0">
+                <a:solidFill>
+                  <a:schemeClr val="bg1">
+                    <a:lumMod val="75000"/>
+                  </a:schemeClr>
+                </a:solidFill>
+              </a:rPr>
+              <a:t>✅</a:t>
+            </a:r>
             <a:r>
               <a:rPr lang="es-ES" sz="2800" dirty="0">
                 <a:solidFill>
@@ -20666,10 +21319,20 @@
                   </a:schemeClr>
                 </a:solidFill>
               </a:rPr>
-              <a:t>7️⃣ Cuidados postoperatorios</a:t>
+              <a:t> Cuidados postoperatorios</a:t>
             </a:r>
           </a:p>
           <a:p>
+            <a:r>
+              <a:rPr lang="es-ES" sz="2800" dirty="0">
+                <a:solidFill>
+                  <a:schemeClr val="bg1">
+                    <a:lumMod val="75000"/>
+                  </a:schemeClr>
+                </a:solidFill>
+              </a:rPr>
+              <a:t>✅</a:t>
+            </a:r>
             <a:r>
               <a:rPr lang="es-ES" sz="2800" dirty="0">
                 <a:solidFill>
@@ -20679,10 +21342,20 @@
                   </a:schemeClr>
                 </a:solidFill>
               </a:rPr>
-              <a:t>8️⃣ Expectativas a largo plazo</a:t>
+              <a:t> Expectativas a largo plazo</a:t>
             </a:r>
           </a:p>
           <a:p>
+            <a:r>
+              <a:rPr lang="es-ES" sz="2800" dirty="0">
+                <a:solidFill>
+                  <a:schemeClr val="bg1">
+                    <a:lumMod val="75000"/>
+                  </a:schemeClr>
+                </a:solidFill>
+              </a:rPr>
+              <a:t>✅</a:t>
+            </a:r>
             <a:r>
               <a:rPr lang="es-ES" sz="2800" dirty="0">
                 <a:solidFill>
@@ -20692,7 +21365,7 @@
                   </a:schemeClr>
                 </a:solidFill>
               </a:rPr>
-              <a:t>9️⃣ Recursos adicionales</a:t>
+              <a:t> Recursos adicionales</a:t>
             </a:r>
           </a:p>
           <a:p>
